--- a/lesson02.pptx
+++ b/lesson02.pptx
@@ -206,7 +206,7 @@
 <file path=ppt/revisionInfo.xml><?xml version="1.0" encoding="utf-8"?>
 <p1510:revInfo xmlns:a="http://schemas.openxmlformats.org/drawingml/2006/main" xmlns:r="http://schemas.openxmlformats.org/officeDocument/2006/relationships" xmlns:p1510="http://schemas.microsoft.com/office/powerpoint/2015/10/main">
   <p1510:revLst>
-    <p1510:client id="{8767E5EE-404C-45F1-9795-51C8E054DB17}" v="4" dt="2023-02-03T08:36:33.677"/>
+    <p1510:client id="{664E1F8D-4374-4221-A8BD-DBFB5C325ED8}" v="3" dt="2024-06-26T09:40:42.469"/>
   </p1510:revLst>
 </p1510:revInfo>
 </file>
@@ -1027,6 +1027,60 @@
     </pc:docChg>
   </pc:docChgLst>
   <pc:docChgLst>
+    <pc:chgData name="Anatoliy Kigel" userId="7432c6c4687b0a9c" providerId="LiveId" clId="{664E1F8D-4374-4221-A8BD-DBFB5C325ED8}"/>
+    <pc:docChg chg="modSld">
+      <pc:chgData name="Anatoliy Kigel" userId="7432c6c4687b0a9c" providerId="LiveId" clId="{664E1F8D-4374-4221-A8BD-DBFB5C325ED8}" dt="2024-06-26T09:40:43.590" v="8" actId="6549"/>
+      <pc:docMkLst>
+        <pc:docMk/>
+      </pc:docMkLst>
+      <pc:sldChg chg="modSp mod">
+        <pc:chgData name="Anatoliy Kigel" userId="7432c6c4687b0a9c" providerId="LiveId" clId="{664E1F8D-4374-4221-A8BD-DBFB5C325ED8}" dt="2024-06-26T09:40:43.590" v="8" actId="6549"/>
+        <pc:sldMkLst>
+          <pc:docMk/>
+          <pc:sldMk cId="2134033093" sldId="290"/>
+        </pc:sldMkLst>
+        <pc:spChg chg="mod">
+          <ac:chgData name="Anatoliy Kigel" userId="7432c6c4687b0a9c" providerId="LiveId" clId="{664E1F8D-4374-4221-A8BD-DBFB5C325ED8}" dt="2024-06-26T09:40:43.590" v="8" actId="6549"/>
+          <ac:spMkLst>
+            <pc:docMk/>
+            <pc:sldMk cId="2134033093" sldId="290"/>
+            <ac:spMk id="5" creationId="{52F1B67F-45EF-6A86-6738-69E2498BD013}"/>
+          </ac:spMkLst>
+        </pc:spChg>
+      </pc:sldChg>
+      <pc:sldChg chg="modSp mod">
+        <pc:chgData name="Anatoliy Kigel" userId="7432c6c4687b0a9c" providerId="LiveId" clId="{664E1F8D-4374-4221-A8BD-DBFB5C325ED8}" dt="2024-06-26T09:40:26.885" v="2" actId="6549"/>
+        <pc:sldMkLst>
+          <pc:docMk/>
+          <pc:sldMk cId="43571806" sldId="385"/>
+        </pc:sldMkLst>
+        <pc:spChg chg="mod">
+          <ac:chgData name="Anatoliy Kigel" userId="7432c6c4687b0a9c" providerId="LiveId" clId="{664E1F8D-4374-4221-A8BD-DBFB5C325ED8}" dt="2024-06-26T09:40:26.885" v="2" actId="6549"/>
+          <ac:spMkLst>
+            <pc:docMk/>
+            <pc:sldMk cId="43571806" sldId="385"/>
+            <ac:spMk id="4" creationId="{00000000-0000-0000-0000-000000000000}"/>
+          </ac:spMkLst>
+        </pc:spChg>
+      </pc:sldChg>
+      <pc:sldChg chg="modSp mod">
+        <pc:chgData name="Anatoliy Kigel" userId="7432c6c4687b0a9c" providerId="LiveId" clId="{664E1F8D-4374-4221-A8BD-DBFB5C325ED8}" dt="2024-06-26T09:40:36.616" v="5" actId="6549"/>
+        <pc:sldMkLst>
+          <pc:docMk/>
+          <pc:sldMk cId="2992149249" sldId="395"/>
+        </pc:sldMkLst>
+        <pc:spChg chg="mod">
+          <ac:chgData name="Anatoliy Kigel" userId="7432c6c4687b0a9c" providerId="LiveId" clId="{664E1F8D-4374-4221-A8BD-DBFB5C325ED8}" dt="2024-06-26T09:40:36.616" v="5" actId="6549"/>
+          <ac:spMkLst>
+            <pc:docMk/>
+            <pc:sldMk cId="2992149249" sldId="395"/>
+            <ac:spMk id="2" creationId="{00000000-0000-0000-0000-000000000000}"/>
+          </ac:spMkLst>
+        </pc:spChg>
+      </pc:sldChg>
+    </pc:docChg>
+  </pc:docChgLst>
+  <pc:docChgLst>
     <pc:chgData name="Anatoliy Kigel" userId="7432c6c4687b0a9c" providerId="LiveId" clId="{08D79416-EFB2-4A5C-A7EA-6EF9355031D1}"/>
     <pc:docChg chg="delSld modSld modSection">
       <pc:chgData name="Anatoliy Kigel" userId="7432c6c4687b0a9c" providerId="LiveId" clId="{08D79416-EFB2-4A5C-A7EA-6EF9355031D1}" dt="2021-03-25T21:34:38.231" v="3" actId="20577"/>
@@ -1419,7 +1473,7 @@
             <a:fld id="{85522811-C5C6-42D2-A409-F8556720C93F}" type="datetimeFigureOut">
               <a:rPr lang="uk-UA" smtClean="0"/>
               <a:pPr/>
-              <a:t>03.02.2023</a:t>
+              <a:t>26.06.2024</a:t>
             </a:fld>
             <a:endParaRPr lang="uk-UA"/>
           </a:p>
@@ -2060,7 +2114,7 @@
             <a:fld id="{E6FC6B0D-6115-4D7C-8040-9C8E2349BB6E}" type="datetime1">
               <a:rPr lang="uk-UA" smtClean="0"/>
               <a:pPr/>
-              <a:t>03.02.2023</a:t>
+              <a:t>26.06.2024</a:t>
             </a:fld>
             <a:endParaRPr lang="uk-UA"/>
           </a:p>
@@ -2227,7 +2281,7 @@
             <a:fld id="{996367BA-0A39-4DE2-BFC3-D5290044365E}" type="datetime1">
               <a:rPr lang="uk-UA" smtClean="0"/>
               <a:pPr/>
-              <a:t>03.02.2023</a:t>
+              <a:t>26.06.2024</a:t>
             </a:fld>
             <a:endParaRPr lang="uk-UA"/>
           </a:p>
@@ -2404,7 +2458,7 @@
             <a:fld id="{1BD6A67F-6C29-47DC-AF8A-FDB3C787DF70}" type="datetime1">
               <a:rPr lang="uk-UA" smtClean="0"/>
               <a:pPr/>
-              <a:t>03.02.2023</a:t>
+              <a:t>26.06.2024</a:t>
             </a:fld>
             <a:endParaRPr lang="uk-UA"/>
           </a:p>
@@ -2571,7 +2625,7 @@
             <a:fld id="{1657D9C5-7FF1-434F-B56E-9BAD559744E9}" type="datetime1">
               <a:rPr lang="uk-UA" smtClean="0"/>
               <a:pPr/>
-              <a:t>03.02.2023</a:t>
+              <a:t>26.06.2024</a:t>
             </a:fld>
             <a:endParaRPr lang="uk-UA"/>
           </a:p>
@@ -2814,7 +2868,7 @@
             <a:fld id="{2CEB0FC9-DE63-476B-A1A9-BE934D9049F8}" type="datetime1">
               <a:rPr lang="uk-UA" smtClean="0"/>
               <a:pPr/>
-              <a:t>03.02.2023</a:t>
+              <a:t>26.06.2024</a:t>
             </a:fld>
             <a:endParaRPr lang="uk-UA"/>
           </a:p>
@@ -3099,7 +3153,7 @@
             <a:fld id="{F964460F-86E2-4DF6-9D0F-12F5005CF375}" type="datetime1">
               <a:rPr lang="uk-UA" smtClean="0"/>
               <a:pPr/>
-              <a:t>03.02.2023</a:t>
+              <a:t>26.06.2024</a:t>
             </a:fld>
             <a:endParaRPr lang="uk-UA"/>
           </a:p>
@@ -3518,7 +3572,7 @@
             <a:fld id="{C521715E-DDCD-4267-B0A5-2918B6F6768A}" type="datetime1">
               <a:rPr lang="uk-UA" smtClean="0"/>
               <a:pPr/>
-              <a:t>03.02.2023</a:t>
+              <a:t>26.06.2024</a:t>
             </a:fld>
             <a:endParaRPr lang="uk-UA"/>
           </a:p>
@@ -3633,7 +3687,7 @@
             <a:fld id="{9289842C-EB2D-4EBB-A272-2F6A49D9794D}" type="datetime1">
               <a:rPr lang="uk-UA" smtClean="0"/>
               <a:pPr/>
-              <a:t>03.02.2023</a:t>
+              <a:t>26.06.2024</a:t>
             </a:fld>
             <a:endParaRPr lang="uk-UA"/>
           </a:p>
@@ -3725,7 +3779,7 @@
             <a:fld id="{D036F091-B700-4B52-99AC-85D0FD94D904}" type="datetime1">
               <a:rPr lang="uk-UA" smtClean="0"/>
               <a:pPr/>
-              <a:t>03.02.2023</a:t>
+              <a:t>26.06.2024</a:t>
             </a:fld>
             <a:endParaRPr lang="uk-UA"/>
           </a:p>
@@ -3999,7 +4053,7 @@
             <a:fld id="{B35DFABA-3811-4634-B803-2EAC4CD0063B}" type="datetime1">
               <a:rPr lang="uk-UA" smtClean="0"/>
               <a:pPr/>
-              <a:t>03.02.2023</a:t>
+              <a:t>26.06.2024</a:t>
             </a:fld>
             <a:endParaRPr lang="uk-UA"/>
           </a:p>
@@ -4249,7 +4303,7 @@
             <a:fld id="{8A9EA25E-F88E-463A-A119-D1E55A881002}" type="datetime1">
               <a:rPr lang="uk-UA" smtClean="0"/>
               <a:pPr/>
-              <a:t>03.02.2023</a:t>
+              <a:t>26.06.2024</a:t>
             </a:fld>
             <a:endParaRPr lang="uk-UA"/>
           </a:p>
@@ -4459,7 +4513,7 @@
             <a:fld id="{E708ED03-0080-49A2-B709-7DA4ACB3A1C3}" type="datetime1">
               <a:rPr lang="uk-UA" smtClean="0"/>
               <a:pPr/>
-              <a:t>03.02.2023</a:t>
+              <a:t>26.06.2024</a:t>
             </a:fld>
             <a:endParaRPr lang="uk-UA"/>
           </a:p>
@@ -8580,10 +8634,10 @@
           <a:p>
             <a:pPr algn="ctr"/>
             <a:r>
-              <a:rPr lang="uk-UA" sz="3200" b="1" dirty="0">
+              <a:rPr lang="en-US" sz="3200" b="1">
                 <a:hlinkClick r:id="rId3"/>
               </a:rPr>
-              <a:t>https://css.in.ua/html/tags</a:t>
+              <a:t>https://html-css.co.ua/dovidnuk-html-tags/</a:t>
             </a:r>
             <a:endParaRPr lang="uk-UA" sz="3200" b="1" dirty="0"/>
           </a:p>

--- a/lesson02.pptx
+++ b/lesson02.pptx
@@ -5,7 +5,7 @@
     <p:sldMasterId id="2147483648" r:id="rId1"/>
   </p:sldMasterIdLst>
   <p:notesMasterIdLst>
-    <p:notesMasterId r:id="rId31"/>
+    <p:notesMasterId r:id="rId32"/>
   </p:notesMasterIdLst>
   <p:sldIdLst>
     <p:sldId id="386" r:id="rId2"/>
@@ -31,12 +31,13 @@
     <p:sldId id="362" r:id="rId22"/>
     <p:sldId id="259" r:id="rId23"/>
     <p:sldId id="347" r:id="rId24"/>
-    <p:sldId id="290" r:id="rId25"/>
-    <p:sldId id="352" r:id="rId26"/>
-    <p:sldId id="351" r:id="rId27"/>
-    <p:sldId id="371" r:id="rId28"/>
-    <p:sldId id="294" r:id="rId29"/>
-    <p:sldId id="295" r:id="rId30"/>
+    <p:sldId id="289" r:id="rId25"/>
+    <p:sldId id="290" r:id="rId26"/>
+    <p:sldId id="352" r:id="rId27"/>
+    <p:sldId id="351" r:id="rId28"/>
+    <p:sldId id="371" r:id="rId29"/>
+    <p:sldId id="294" r:id="rId30"/>
+    <p:sldId id="295" r:id="rId31"/>
   </p:sldIdLst>
   <p:sldSz cx="12192000" cy="6858000"/>
   <p:notesSz cx="6858000" cy="9144000"/>
@@ -163,6 +164,7 @@
             <p14:sldId id="362"/>
             <p14:sldId id="259"/>
             <p14:sldId id="347"/>
+            <p14:sldId id="289"/>
             <p14:sldId id="290"/>
             <p14:sldId id="352"/>
             <p14:sldId id="351"/>
@@ -206,7 +208,7 @@
 <file path=ppt/revisionInfo.xml><?xml version="1.0" encoding="utf-8"?>
 <p1510:revInfo xmlns:a="http://schemas.openxmlformats.org/drawingml/2006/main" xmlns:r="http://schemas.openxmlformats.org/officeDocument/2006/relationships" xmlns:p1510="http://schemas.microsoft.com/office/powerpoint/2015/10/main">
   <p1510:revLst>
-    <p1510:client id="{664E1F8D-4374-4221-A8BD-DBFB5C325ED8}" v="3" dt="2024-06-26T09:40:42.469"/>
+    <p1510:client id="{664E1F8D-4374-4221-A8BD-DBFB5C325ED8}" v="4" dt="2024-06-28T06:21:10.804"/>
   </p1510:revLst>
 </p1510:revInfo>
 </file>
@@ -1028,11 +1030,18 @@
   </pc:docChgLst>
   <pc:docChgLst>
     <pc:chgData name="Anatoliy Kigel" userId="7432c6c4687b0a9c" providerId="LiveId" clId="{664E1F8D-4374-4221-A8BD-DBFB5C325ED8}"/>
-    <pc:docChg chg="modSld">
-      <pc:chgData name="Anatoliy Kigel" userId="7432c6c4687b0a9c" providerId="LiveId" clId="{664E1F8D-4374-4221-A8BD-DBFB5C325ED8}" dt="2024-06-26T09:40:43.590" v="8" actId="6549"/>
+    <pc:docChg chg="addSld modSld">
+      <pc:chgData name="Anatoliy Kigel" userId="7432c6c4687b0a9c" providerId="LiveId" clId="{664E1F8D-4374-4221-A8BD-DBFB5C325ED8}" dt="2024-06-28T06:21:10.797" v="9"/>
       <pc:docMkLst>
         <pc:docMk/>
       </pc:docMkLst>
+      <pc:sldChg chg="add">
+        <pc:chgData name="Anatoliy Kigel" userId="7432c6c4687b0a9c" providerId="LiveId" clId="{664E1F8D-4374-4221-A8BD-DBFB5C325ED8}" dt="2024-06-28T06:21:10.797" v="9"/>
+        <pc:sldMkLst>
+          <pc:docMk/>
+          <pc:sldMk cId="3874926999" sldId="289"/>
+        </pc:sldMkLst>
+      </pc:sldChg>
       <pc:sldChg chg="modSp mod">
         <pc:chgData name="Anatoliy Kigel" userId="7432c6c4687b0a9c" providerId="LiveId" clId="{664E1F8D-4374-4221-A8BD-DBFB5C325ED8}" dt="2024-06-26T09:40:43.590" v="8" actId="6549"/>
         <pc:sldMkLst>
@@ -1473,7 +1482,7 @@
             <a:fld id="{85522811-C5C6-42D2-A409-F8556720C93F}" type="datetimeFigureOut">
               <a:rPr lang="uk-UA" smtClean="0"/>
               <a:pPr/>
-              <a:t>26.06.2024</a:t>
+              <a:t>28.06.2024</a:t>
             </a:fld>
             <a:endParaRPr lang="uk-UA"/>
           </a:p>
@@ -2114,7 +2123,7 @@
             <a:fld id="{E6FC6B0D-6115-4D7C-8040-9C8E2349BB6E}" type="datetime1">
               <a:rPr lang="uk-UA" smtClean="0"/>
               <a:pPr/>
-              <a:t>26.06.2024</a:t>
+              <a:t>28.06.2024</a:t>
             </a:fld>
             <a:endParaRPr lang="uk-UA"/>
           </a:p>
@@ -2281,7 +2290,7 @@
             <a:fld id="{996367BA-0A39-4DE2-BFC3-D5290044365E}" type="datetime1">
               <a:rPr lang="uk-UA" smtClean="0"/>
               <a:pPr/>
-              <a:t>26.06.2024</a:t>
+              <a:t>28.06.2024</a:t>
             </a:fld>
             <a:endParaRPr lang="uk-UA"/>
           </a:p>
@@ -2458,7 +2467,7 @@
             <a:fld id="{1BD6A67F-6C29-47DC-AF8A-FDB3C787DF70}" type="datetime1">
               <a:rPr lang="uk-UA" smtClean="0"/>
               <a:pPr/>
-              <a:t>26.06.2024</a:t>
+              <a:t>28.06.2024</a:t>
             </a:fld>
             <a:endParaRPr lang="uk-UA"/>
           </a:p>
@@ -2625,7 +2634,7 @@
             <a:fld id="{1657D9C5-7FF1-434F-B56E-9BAD559744E9}" type="datetime1">
               <a:rPr lang="uk-UA" smtClean="0"/>
               <a:pPr/>
-              <a:t>26.06.2024</a:t>
+              <a:t>28.06.2024</a:t>
             </a:fld>
             <a:endParaRPr lang="uk-UA"/>
           </a:p>
@@ -2868,7 +2877,7 @@
             <a:fld id="{2CEB0FC9-DE63-476B-A1A9-BE934D9049F8}" type="datetime1">
               <a:rPr lang="uk-UA" smtClean="0"/>
               <a:pPr/>
-              <a:t>26.06.2024</a:t>
+              <a:t>28.06.2024</a:t>
             </a:fld>
             <a:endParaRPr lang="uk-UA"/>
           </a:p>
@@ -3153,7 +3162,7 @@
             <a:fld id="{F964460F-86E2-4DF6-9D0F-12F5005CF375}" type="datetime1">
               <a:rPr lang="uk-UA" smtClean="0"/>
               <a:pPr/>
-              <a:t>26.06.2024</a:t>
+              <a:t>28.06.2024</a:t>
             </a:fld>
             <a:endParaRPr lang="uk-UA"/>
           </a:p>
@@ -3572,7 +3581,7 @@
             <a:fld id="{C521715E-DDCD-4267-B0A5-2918B6F6768A}" type="datetime1">
               <a:rPr lang="uk-UA" smtClean="0"/>
               <a:pPr/>
-              <a:t>26.06.2024</a:t>
+              <a:t>28.06.2024</a:t>
             </a:fld>
             <a:endParaRPr lang="uk-UA"/>
           </a:p>
@@ -3687,7 +3696,7 @@
             <a:fld id="{9289842C-EB2D-4EBB-A272-2F6A49D9794D}" type="datetime1">
               <a:rPr lang="uk-UA" smtClean="0"/>
               <a:pPr/>
-              <a:t>26.06.2024</a:t>
+              <a:t>28.06.2024</a:t>
             </a:fld>
             <a:endParaRPr lang="uk-UA"/>
           </a:p>
@@ -3779,7 +3788,7 @@
             <a:fld id="{D036F091-B700-4B52-99AC-85D0FD94D904}" type="datetime1">
               <a:rPr lang="uk-UA" smtClean="0"/>
               <a:pPr/>
-              <a:t>26.06.2024</a:t>
+              <a:t>28.06.2024</a:t>
             </a:fld>
             <a:endParaRPr lang="uk-UA"/>
           </a:p>
@@ -4053,7 +4062,7 @@
             <a:fld id="{B35DFABA-3811-4634-B803-2EAC4CD0063B}" type="datetime1">
               <a:rPr lang="uk-UA" smtClean="0"/>
               <a:pPr/>
-              <a:t>26.06.2024</a:t>
+              <a:t>28.06.2024</a:t>
             </a:fld>
             <a:endParaRPr lang="uk-UA"/>
           </a:p>
@@ -4303,7 +4312,7 @@
             <a:fld id="{8A9EA25E-F88E-463A-A119-D1E55A881002}" type="datetime1">
               <a:rPr lang="uk-UA" smtClean="0"/>
               <a:pPr/>
-              <a:t>26.06.2024</a:t>
+              <a:t>28.06.2024</a:t>
             </a:fld>
             <a:endParaRPr lang="uk-UA"/>
           </a:p>
@@ -4513,7 +4522,7 @@
             <a:fld id="{E708ED03-0080-49A2-B709-7DA4ACB3A1C3}" type="datetime1">
               <a:rPr lang="uk-UA" smtClean="0"/>
               <a:pPr/>
-              <a:t>26.06.2024</a:t>
+              <a:t>28.06.2024</a:t>
             </a:fld>
             <a:endParaRPr lang="uk-UA"/>
           </a:p>
@@ -8433,41 +8442,7 @@
       </p:grpSpPr>
       <p:sp>
         <p:nvSpPr>
-          <p:cNvPr id="8" name="TextBox 7"/>
-          <p:cNvSpPr txBox="1"/>
-          <p:nvPr/>
-        </p:nvSpPr>
-        <p:spPr>
-          <a:xfrm>
-            <a:off x="1524000" y="190382"/>
-            <a:ext cx="9144000" cy="646331"/>
-          </a:xfrm>
-          <a:prstGeom prst="rect">
-            <a:avLst/>
-          </a:prstGeom>
-          <a:noFill/>
-        </p:spPr>
-        <p:txBody>
-          <a:bodyPr wrap="square" rtlCol="0">
-            <a:spAutoFit/>
-          </a:bodyPr>
-          <a:lstStyle/>
-          <a:p>
-            <a:pPr algn="ctr"/>
-            <a:r>
-              <a:rPr lang="ru-RU" sz="3600" b="1" dirty="0"/>
-              <a:t>Справочник по </a:t>
-            </a:r>
-            <a:r>
-              <a:rPr lang="en-US" sz="3600" b="1" dirty="0"/>
-              <a:t>HTML</a:t>
-            </a:r>
-          </a:p>
-        </p:txBody>
-      </p:sp>
-      <p:sp>
-        <p:nvSpPr>
-          <p:cNvPr id="4" name="Номер слайда 36"/>
+          <p:cNvPr id="5" name="Номер слайда 36"/>
           <p:cNvSpPr txBox="1">
             <a:spLocks/>
           </p:cNvSpPr>
@@ -8475,7 +8450,7 @@
         </p:nvSpPr>
         <p:spPr>
           <a:xfrm>
-            <a:off x="11136560" y="6100419"/>
+            <a:off x="11280576" y="6192948"/>
             <a:ext cx="648072" cy="432048"/>
           </a:xfrm>
           <a:prstGeom prst="roundRect">
@@ -8535,6 +8510,115 @@
           </a:p>
         </p:txBody>
       </p:sp>
+      <p:sp>
+        <p:nvSpPr>
+          <p:cNvPr id="11" name="TextBox 10"/>
+          <p:cNvSpPr txBox="1"/>
+          <p:nvPr/>
+        </p:nvSpPr>
+        <p:spPr>
+          <a:xfrm>
+            <a:off x="3215680" y="4721055"/>
+            <a:ext cx="6122931" cy="1077218"/>
+          </a:xfrm>
+          <a:prstGeom prst="rect">
+            <a:avLst/>
+          </a:prstGeom>
+          <a:noFill/>
+        </p:spPr>
+        <p:txBody>
+          <a:bodyPr wrap="square" rtlCol="0">
+            <a:spAutoFit/>
+          </a:bodyPr>
+          <a:lstStyle/>
+          <a:p>
+            <a:pPr algn="ctr"/>
+            <a:r>
+              <a:rPr lang="ru-RU" sz="3200" i="1" dirty="0"/>
+              <a:t>Крупный фотобанк с </a:t>
+            </a:r>
+            <a:r>
+              <a:rPr lang="ru-RU" sz="3200" b="1" i="1" dirty="0"/>
+              <a:t>бесплатными</a:t>
+            </a:r>
+            <a:r>
+              <a:rPr lang="ru-RU" sz="3200" i="1" dirty="0"/>
+              <a:t> фотографиями </a:t>
+            </a:r>
+          </a:p>
+        </p:txBody>
+      </p:sp>
+      <p:sp>
+        <p:nvSpPr>
+          <p:cNvPr id="12" name="Прямоугольник 11"/>
+          <p:cNvSpPr/>
+          <p:nvPr/>
+        </p:nvSpPr>
+        <p:spPr>
+          <a:xfrm>
+            <a:off x="3215681" y="5805264"/>
+            <a:ext cx="6122930" cy="646331"/>
+          </a:xfrm>
+          <a:prstGeom prst="rect">
+            <a:avLst/>
+          </a:prstGeom>
+        </p:spPr>
+        <p:txBody>
+          <a:bodyPr wrap="square">
+            <a:spAutoFit/>
+          </a:bodyPr>
+          <a:lstStyle/>
+          <a:p>
+            <a:pPr algn="ctr"/>
+            <a:r>
+              <a:rPr lang="en-US" sz="3600" b="1" dirty="0">
+                <a:hlinkClick r:id="rId2"/>
+              </a:rPr>
+              <a:t>https://unsplash.com/</a:t>
+            </a:r>
+            <a:endParaRPr lang="uk-UA" sz="3600" b="1" dirty="0"/>
+          </a:p>
+        </p:txBody>
+      </p:sp>
+      <p:sp>
+        <p:nvSpPr>
+          <p:cNvPr id="15" name="TextBox 14"/>
+          <p:cNvSpPr txBox="1"/>
+          <p:nvPr/>
+        </p:nvSpPr>
+        <p:spPr>
+          <a:xfrm>
+            <a:off x="0" y="332656"/>
+            <a:ext cx="12192000" cy="830997"/>
+          </a:xfrm>
+          <a:prstGeom prst="rect">
+            <a:avLst/>
+          </a:prstGeom>
+          <a:noFill/>
+        </p:spPr>
+        <p:txBody>
+          <a:bodyPr wrap="square" rtlCol="0">
+            <a:spAutoFit/>
+          </a:bodyPr>
+          <a:lstStyle/>
+          <a:p>
+            <a:pPr algn="ctr"/>
+            <a:r>
+              <a:rPr lang="ru-RU" sz="4800" b="1" dirty="0"/>
+              <a:t>Фотобанк</a:t>
+            </a:r>
+            <a:r>
+              <a:rPr lang="en-US" sz="4800" b="1" dirty="0"/>
+              <a:t>  </a:t>
+            </a:r>
+            <a:r>
+              <a:rPr lang="en-US" sz="4800" b="1" dirty="0" err="1"/>
+              <a:t>Unsplash</a:t>
+            </a:r>
+            <a:endParaRPr lang="uk-UA" sz="4800" b="1" dirty="0"/>
+          </a:p>
+        </p:txBody>
+      </p:sp>
       <p:pic>
         <p:nvPicPr>
           <p:cNvPr id="2" name="Рисунок 1"/>
@@ -8544,109 +8628,39 @@
           <p:nvPr/>
         </p:nvPicPr>
         <p:blipFill>
-          <a:blip r:embed="rId2"/>
+          <a:blip r:embed="rId3"/>
           <a:stretch>
             <a:fillRect/>
           </a:stretch>
         </p:blipFill>
         <p:spPr>
           <a:xfrm>
-            <a:off x="2711624" y="831046"/>
-            <a:ext cx="7056783" cy="4320310"/>
+            <a:off x="3215680" y="1267599"/>
+            <a:ext cx="6122931" cy="3191510"/>
           </a:xfrm>
           <a:prstGeom prst="rect">
             <a:avLst/>
           </a:prstGeom>
+          <a:ln>
+            <a:solidFill>
+              <a:schemeClr val="bg1">
+                <a:lumMod val="75000"/>
+              </a:schemeClr>
+            </a:solidFill>
+          </a:ln>
+          <a:effectLst>
+            <a:outerShdw blurRad="292100" dist="139700" dir="2700000" algn="tl" rotWithShape="0">
+              <a:srgbClr val="333333">
+                <a:alpha val="65000"/>
+              </a:srgbClr>
+            </a:outerShdw>
+          </a:effectLst>
         </p:spPr>
       </p:pic>
-      <p:sp>
-        <p:nvSpPr>
-          <p:cNvPr id="3" name="TextBox 2">
-            <a:extLst>
-              <a:ext uri="{FF2B5EF4-FFF2-40B4-BE49-F238E27FC236}">
-                <a16:creationId xmlns:a16="http://schemas.microsoft.com/office/drawing/2014/main" id="{611D4145-C3CC-ED4B-8DC8-C59A3D0E21AA}"/>
-              </a:ext>
-            </a:extLst>
-          </p:cNvPr>
-          <p:cNvSpPr txBox="1"/>
-          <p:nvPr/>
-        </p:nvSpPr>
-        <p:spPr>
-          <a:xfrm>
-            <a:off x="0" y="5944925"/>
-            <a:ext cx="12192000" cy="584775"/>
-          </a:xfrm>
-          <a:prstGeom prst="rect">
-            <a:avLst/>
-          </a:prstGeom>
-          <a:noFill/>
-        </p:spPr>
-        <p:txBody>
-          <a:bodyPr wrap="square" rtlCol="0">
-            <a:spAutoFit/>
-          </a:bodyPr>
-          <a:lstStyle/>
-          <a:p>
-            <a:pPr algn="ctr"/>
-            <a:r>
-              <a:rPr lang="en-US" sz="3200" b="1" u="sng" dirty="0">
-                <a:solidFill>
-                  <a:srgbClr val="3333CC"/>
-                </a:solidFill>
-              </a:rPr>
-              <a:t>https://htmlreference.io/</a:t>
-            </a:r>
-            <a:endParaRPr lang="uk-UA" sz="3200" u="sng" dirty="0">
-              <a:solidFill>
-                <a:srgbClr val="3333CC"/>
-              </a:solidFill>
-            </a:endParaRPr>
-          </a:p>
-        </p:txBody>
-      </p:sp>
-      <p:sp>
-        <p:nvSpPr>
-          <p:cNvPr id="5" name="TextBox 4">
-            <a:extLst>
-              <a:ext uri="{FF2B5EF4-FFF2-40B4-BE49-F238E27FC236}">
-                <a16:creationId xmlns:a16="http://schemas.microsoft.com/office/drawing/2014/main" id="{52F1B67F-45EF-6A86-6738-69E2498BD013}"/>
-              </a:ext>
-            </a:extLst>
-          </p:cNvPr>
-          <p:cNvSpPr txBox="1"/>
-          <p:nvPr/>
-        </p:nvSpPr>
-        <p:spPr>
-          <a:xfrm>
-            <a:off x="0" y="5301208"/>
-            <a:ext cx="12192000" cy="584775"/>
-          </a:xfrm>
-          <a:prstGeom prst="rect">
-            <a:avLst/>
-          </a:prstGeom>
-          <a:noFill/>
-        </p:spPr>
-        <p:txBody>
-          <a:bodyPr wrap="square">
-            <a:spAutoFit/>
-          </a:bodyPr>
-          <a:lstStyle/>
-          <a:p>
-            <a:pPr algn="ctr"/>
-            <a:r>
-              <a:rPr lang="en-US" sz="3200" b="1">
-                <a:hlinkClick r:id="rId3"/>
-              </a:rPr>
-              <a:t>https://html-css.co.ua/dovidnuk-html-tags/</a:t>
-            </a:r>
-            <a:endParaRPr lang="uk-UA" sz="3200" b="1" dirty="0"/>
-          </a:p>
-        </p:txBody>
-      </p:sp>
     </p:spTree>
     <p:extLst>
       <p:ext uri="{BB962C8B-B14F-4D97-AF65-F5344CB8AC3E}">
-        <p14:creationId xmlns:p14="http://schemas.microsoft.com/office/powerpoint/2010/main" val="2134033093"/>
+        <p14:creationId xmlns:p14="http://schemas.microsoft.com/office/powerpoint/2010/main" val="3874926999"/>
       </p:ext>
     </p:extLst>
   </p:cSld>
@@ -8675,7 +8689,41 @@
       </p:grpSpPr>
       <p:sp>
         <p:nvSpPr>
-          <p:cNvPr id="7" name="Номер слайда 36"/>
+          <p:cNvPr id="8" name="TextBox 7"/>
+          <p:cNvSpPr txBox="1"/>
+          <p:nvPr/>
+        </p:nvSpPr>
+        <p:spPr>
+          <a:xfrm>
+            <a:off x="1524000" y="190382"/>
+            <a:ext cx="9144000" cy="646331"/>
+          </a:xfrm>
+          <a:prstGeom prst="rect">
+            <a:avLst/>
+          </a:prstGeom>
+          <a:noFill/>
+        </p:spPr>
+        <p:txBody>
+          <a:bodyPr wrap="square" rtlCol="0">
+            <a:spAutoFit/>
+          </a:bodyPr>
+          <a:lstStyle/>
+          <a:p>
+            <a:pPr algn="ctr"/>
+            <a:r>
+              <a:rPr lang="ru-RU" sz="3600" b="1" dirty="0"/>
+              <a:t>Справочник по </a:t>
+            </a:r>
+            <a:r>
+              <a:rPr lang="en-US" sz="3600" b="1" dirty="0"/>
+              <a:t>HTML</a:t>
+            </a:r>
+          </a:p>
+        </p:txBody>
+      </p:sp>
+      <p:sp>
+        <p:nvSpPr>
+          <p:cNvPr id="4" name="Номер слайда 36"/>
           <p:cNvSpPr txBox="1">
             <a:spLocks/>
           </p:cNvSpPr>
@@ -8683,7 +8731,7 @@
         </p:nvSpPr>
         <p:spPr>
           <a:xfrm>
-            <a:off x="11208568" y="6165304"/>
+            <a:off x="11136560" y="6100419"/>
             <a:ext cx="648072" cy="432048"/>
           </a:xfrm>
           <a:prstGeom prst="roundRect">
@@ -8743,264 +8791,118 @@
           </a:p>
         </p:txBody>
       </p:sp>
-      <p:sp>
-        <p:nvSpPr>
-          <p:cNvPr id="10" name="Скругленный прямоугольник 9"/>
-          <p:cNvSpPr/>
+      <p:pic>
+        <p:nvPicPr>
+          <p:cNvPr id="2" name="Рисунок 1"/>
+          <p:cNvPicPr>
+            <a:picLocks noChangeAspect="1"/>
+          </p:cNvPicPr>
           <p:nvPr/>
-        </p:nvSpPr>
+        </p:nvPicPr>
+        <p:blipFill>
+          <a:blip r:embed="rId2"/>
+          <a:stretch>
+            <a:fillRect/>
+          </a:stretch>
+        </p:blipFill>
         <p:spPr>
           <a:xfrm>
-            <a:off x="-20717" y="5572171"/>
-            <a:ext cx="12192000" cy="578882"/>
-          </a:xfrm>
-          <a:prstGeom prst="roundRect">
+            <a:off x="2711624" y="831046"/>
+            <a:ext cx="7056783" cy="4320310"/>
+          </a:xfrm>
+          <a:prstGeom prst="rect">
+            <a:avLst/>
+          </a:prstGeom>
+        </p:spPr>
+      </p:pic>
+      <p:sp>
+        <p:nvSpPr>
+          <p:cNvPr id="3" name="TextBox 2">
+            <a:extLst>
+              <a:ext uri="{FF2B5EF4-FFF2-40B4-BE49-F238E27FC236}">
+                <a16:creationId xmlns:a16="http://schemas.microsoft.com/office/drawing/2014/main" id="{611D4145-C3CC-ED4B-8DC8-C59A3D0E21AA}"/>
+              </a:ext>
+            </a:extLst>
+          </p:cNvPr>
+          <p:cNvSpPr txBox="1"/>
+          <p:nvPr/>
+        </p:nvSpPr>
+        <p:spPr>
+          <a:xfrm>
+            <a:off x="0" y="5944925"/>
+            <a:ext cx="12192000" cy="584775"/>
+          </a:xfrm>
+          <a:prstGeom prst="rect">
             <a:avLst/>
           </a:prstGeom>
           <a:noFill/>
-          <a:ln>
-            <a:noFill/>
-          </a:ln>
-        </p:spPr>
-        <p:style>
-          <a:lnRef idx="2">
-            <a:schemeClr val="accent3"/>
-          </a:lnRef>
-          <a:fillRef idx="1">
-            <a:schemeClr val="lt1"/>
-          </a:fillRef>
-          <a:effectRef idx="0">
-            <a:schemeClr val="accent3"/>
-          </a:effectRef>
-          <a:fontRef idx="minor">
-            <a:schemeClr val="dk1"/>
-          </a:fontRef>
-        </p:style>
+        </p:spPr>
+        <p:txBody>
+          <a:bodyPr wrap="square" rtlCol="0">
+            <a:spAutoFit/>
+          </a:bodyPr>
+          <a:lstStyle/>
+          <a:p>
+            <a:pPr algn="ctr"/>
+            <a:r>
+              <a:rPr lang="en-US" sz="3200" b="1" u="sng" dirty="0">
+                <a:solidFill>
+                  <a:srgbClr val="3333CC"/>
+                </a:solidFill>
+              </a:rPr>
+              <a:t>https://htmlreference.io/</a:t>
+            </a:r>
+            <a:endParaRPr lang="uk-UA" sz="3200" u="sng" dirty="0">
+              <a:solidFill>
+                <a:srgbClr val="3333CC"/>
+              </a:solidFill>
+            </a:endParaRPr>
+          </a:p>
+        </p:txBody>
+      </p:sp>
+      <p:sp>
+        <p:nvSpPr>
+          <p:cNvPr id="5" name="TextBox 4">
+            <a:extLst>
+              <a:ext uri="{FF2B5EF4-FFF2-40B4-BE49-F238E27FC236}">
+                <a16:creationId xmlns:a16="http://schemas.microsoft.com/office/drawing/2014/main" id="{52F1B67F-45EF-6A86-6738-69E2498BD013}"/>
+              </a:ext>
+            </a:extLst>
+          </p:cNvPr>
+          <p:cNvSpPr txBox="1"/>
+          <p:nvPr/>
+        </p:nvSpPr>
+        <p:spPr>
+          <a:xfrm>
+            <a:off x="0" y="5301208"/>
+            <a:ext cx="12192000" cy="584775"/>
+          </a:xfrm>
+          <a:prstGeom prst="rect">
+            <a:avLst/>
+          </a:prstGeom>
+          <a:noFill/>
+        </p:spPr>
         <p:txBody>
           <a:bodyPr wrap="square">
             <a:spAutoFit/>
           </a:bodyPr>
           <a:lstStyle/>
           <a:p>
-            <a:pPr algn="ctr" fontAlgn="base"/>
-            <a:r>
-              <a:rPr lang="ru-RU" sz="2800" b="1" dirty="0"/>
-              <a:t>Обратите на них внимание в справочнике</a:t>
-            </a:r>
-            <a:endParaRPr lang="en-US" sz="2800" b="1" dirty="0">
-              <a:solidFill>
-                <a:schemeClr val="tx1"/>
-              </a:solidFill>
-            </a:endParaRPr>
-          </a:p>
-        </p:txBody>
-      </p:sp>
-      <p:sp>
-        <p:nvSpPr>
-          <p:cNvPr id="13" name="Заголовок 1"/>
-          <p:cNvSpPr txBox="1">
-            <a:spLocks/>
-          </p:cNvSpPr>
-          <p:nvPr/>
-        </p:nvSpPr>
-        <p:spPr>
-          <a:xfrm>
-            <a:off x="-20717" y="706949"/>
-            <a:ext cx="12192000" cy="1143000"/>
-          </a:xfrm>
-          <a:prstGeom prst="rect">
-            <a:avLst/>
-          </a:prstGeom>
-        </p:spPr>
-        <p:txBody>
-          <a:bodyPr vert="horz" lIns="91440" tIns="45720" rIns="91440" bIns="45720" rtlCol="0" anchor="ctr">
-            <a:normAutofit/>
-          </a:bodyPr>
-          <a:lstStyle/>
-          <a:p>
-            <a:pPr algn="ctr">
-              <a:spcBef>
-                <a:spcPct val="0"/>
-              </a:spcBef>
-              <a:defRPr/>
-            </a:pPr>
-            <a:r>
-              <a:rPr lang="ru-RU" sz="4000" b="1" dirty="0">
-                <a:latin typeface="+mj-lt"/>
-                <a:ea typeface="+mj-ea"/>
-                <a:cs typeface="+mj-cs"/>
+            <a:pPr algn="ctr"/>
+            <a:r>
+              <a:rPr lang="en-US" sz="3200" b="1">
+                <a:hlinkClick r:id="rId3"/>
               </a:rPr>
-              <a:t>Ряд тегов которые пригодятся</a:t>
-            </a:r>
-            <a:endParaRPr lang="uk-UA" sz="4000" b="1" dirty="0">
-              <a:latin typeface="+mj-lt"/>
-              <a:ea typeface="+mj-ea"/>
-              <a:cs typeface="+mj-cs"/>
-            </a:endParaRPr>
-          </a:p>
-        </p:txBody>
-      </p:sp>
-      <p:sp>
-        <p:nvSpPr>
-          <p:cNvPr id="3" name="Прямоугольник 2"/>
-          <p:cNvSpPr/>
-          <p:nvPr/>
-        </p:nvSpPr>
-        <p:spPr>
-          <a:xfrm>
-            <a:off x="-20717" y="2556898"/>
-            <a:ext cx="12192000" cy="2308324"/>
-          </a:xfrm>
-          <a:prstGeom prst="rect">
-            <a:avLst/>
-          </a:prstGeom>
-        </p:spPr>
-        <p:txBody>
-          <a:bodyPr wrap="square">
-            <a:spAutoFit/>
-          </a:bodyPr>
-          <a:lstStyle/>
-          <a:p>
-            <a:pPr algn="ctr" fontAlgn="base"/>
-            <a:r>
-              <a:rPr lang="en-US" sz="3600" b="1" dirty="0">
-                <a:solidFill>
-                  <a:srgbClr val="0070C0"/>
-                </a:solidFill>
-                <a:latin typeface="Courier New" panose="02070309020205020404" pitchFamily="49" charset="0"/>
-                <a:cs typeface="Courier New" panose="02070309020205020404" pitchFamily="49" charset="0"/>
-              </a:rPr>
-              <a:t>&lt;div&gt;, &lt;span&gt;, &lt;p&gt;, &lt;h1&gt;-&lt;h6&gt;, &lt;</a:t>
-            </a:r>
-            <a:r>
-              <a:rPr lang="en-US" sz="3600" b="1" dirty="0" err="1">
-                <a:solidFill>
-                  <a:srgbClr val="0070C0"/>
-                </a:solidFill>
-                <a:latin typeface="Courier New" panose="02070309020205020404" pitchFamily="49" charset="0"/>
-                <a:cs typeface="Courier New" panose="02070309020205020404" pitchFamily="49" charset="0"/>
-              </a:rPr>
-              <a:t>hr</a:t>
-            </a:r>
-            <a:r>
-              <a:rPr lang="en-US" sz="3600" b="1" dirty="0">
-                <a:solidFill>
-                  <a:srgbClr val="0070C0"/>
-                </a:solidFill>
-                <a:latin typeface="Courier New" panose="02070309020205020404" pitchFamily="49" charset="0"/>
-                <a:cs typeface="Courier New" panose="02070309020205020404" pitchFamily="49" charset="0"/>
-              </a:rPr>
-              <a:t>&gt;,</a:t>
-            </a:r>
-            <a:r>
-              <a:rPr lang="ru-RU" sz="3600" b="1" dirty="0">
-                <a:solidFill>
-                  <a:srgbClr val="0070C0"/>
-                </a:solidFill>
-                <a:latin typeface="Courier New" panose="02070309020205020404" pitchFamily="49" charset="0"/>
-                <a:cs typeface="Courier New" panose="02070309020205020404" pitchFamily="49" charset="0"/>
-              </a:rPr>
-              <a:t> </a:t>
-            </a:r>
-            <a:r>
-              <a:rPr lang="en-US" sz="3600" b="1" dirty="0">
-                <a:solidFill>
-                  <a:srgbClr val="0070C0"/>
-                </a:solidFill>
-                <a:latin typeface="Courier New" panose="02070309020205020404" pitchFamily="49" charset="0"/>
-                <a:cs typeface="Courier New" panose="02070309020205020404" pitchFamily="49" charset="0"/>
-              </a:rPr>
-              <a:t>&lt;ul&gt;, &lt;</a:t>
-            </a:r>
-            <a:r>
-              <a:rPr lang="en-US" sz="3600" b="1" dirty="0" err="1">
-                <a:solidFill>
-                  <a:srgbClr val="0070C0"/>
-                </a:solidFill>
-                <a:latin typeface="Courier New" panose="02070309020205020404" pitchFamily="49" charset="0"/>
-                <a:cs typeface="Courier New" panose="02070309020205020404" pitchFamily="49" charset="0"/>
-              </a:rPr>
-              <a:t>ol</a:t>
-            </a:r>
-            <a:r>
-              <a:rPr lang="en-US" sz="3600" b="1" dirty="0">
-                <a:solidFill>
-                  <a:srgbClr val="0070C0"/>
-                </a:solidFill>
-                <a:latin typeface="Courier New" panose="02070309020205020404" pitchFamily="49" charset="0"/>
-                <a:cs typeface="Courier New" panose="02070309020205020404" pitchFamily="49" charset="0"/>
-              </a:rPr>
-              <a:t>&gt;</a:t>
-            </a:r>
-            <a:r>
-              <a:rPr lang="ru-RU" sz="3600" b="1" dirty="0">
-                <a:solidFill>
-                  <a:srgbClr val="0070C0"/>
-                </a:solidFill>
-                <a:latin typeface="Courier New" panose="02070309020205020404" pitchFamily="49" charset="0"/>
-                <a:cs typeface="Courier New" panose="02070309020205020404" pitchFamily="49" charset="0"/>
-              </a:rPr>
-              <a:t>, </a:t>
-            </a:r>
-            <a:r>
-              <a:rPr lang="en-US" sz="3600" b="1" dirty="0">
-                <a:solidFill>
-                  <a:srgbClr val="0070C0"/>
-                </a:solidFill>
-                <a:latin typeface="Courier New" panose="02070309020205020404" pitchFamily="49" charset="0"/>
-                <a:cs typeface="Courier New" panose="02070309020205020404" pitchFamily="49" charset="0"/>
-              </a:rPr>
-              <a:t>&lt;li&gt;, &lt;table&gt;, &lt;tr&gt;, &lt;</a:t>
-            </a:r>
-            <a:r>
-              <a:rPr lang="en-US" sz="3600" b="1" dirty="0" err="1">
-                <a:solidFill>
-                  <a:srgbClr val="0070C0"/>
-                </a:solidFill>
-                <a:latin typeface="Courier New" panose="02070309020205020404" pitchFamily="49" charset="0"/>
-                <a:cs typeface="Courier New" panose="02070309020205020404" pitchFamily="49" charset="0"/>
-              </a:rPr>
-              <a:t>th</a:t>
-            </a:r>
-            <a:r>
-              <a:rPr lang="en-US" sz="3600" b="1" dirty="0">
-                <a:solidFill>
-                  <a:srgbClr val="0070C0"/>
-                </a:solidFill>
-                <a:latin typeface="Courier New" panose="02070309020205020404" pitchFamily="49" charset="0"/>
-                <a:cs typeface="Courier New" panose="02070309020205020404" pitchFamily="49" charset="0"/>
-              </a:rPr>
-              <a:t>&gt;, &lt;td&gt;</a:t>
-            </a:r>
-            <a:endParaRPr lang="ru-RU" sz="3600" b="1" dirty="0">
-              <a:solidFill>
-                <a:srgbClr val="0070C0"/>
-              </a:solidFill>
-              <a:latin typeface="Courier New" panose="02070309020205020404" pitchFamily="49" charset="0"/>
-              <a:cs typeface="Courier New" panose="02070309020205020404" pitchFamily="49" charset="0"/>
-            </a:endParaRPr>
-          </a:p>
-          <a:p>
-            <a:pPr algn="ctr" fontAlgn="base"/>
-            <a:r>
-              <a:rPr lang="en-US" sz="3600" b="1" dirty="0">
-                <a:solidFill>
-                  <a:schemeClr val="accent3">
-                    <a:lumMod val="75000"/>
-                  </a:schemeClr>
-                </a:solidFill>
-                <a:latin typeface="Courier New" panose="02070309020205020404" pitchFamily="49" charset="0"/>
-                <a:cs typeface="Courier New" panose="02070309020205020404" pitchFamily="49" charset="0"/>
-              </a:rPr>
-              <a:t>&lt;header&gt;, &lt;footer&gt;, &lt;main&gt;, &lt;section&gt;, &lt;article&gt;, &lt;audio&gt;, &lt;video&gt;</a:t>
-            </a:r>
+              <a:t>https://html-css.co.ua/dovidnuk-html-tags/</a:t>
+            </a:r>
+            <a:endParaRPr lang="uk-UA" sz="3200" b="1" dirty="0"/>
           </a:p>
         </p:txBody>
       </p:sp>
     </p:spTree>
     <p:extLst>
       <p:ext uri="{BB962C8B-B14F-4D97-AF65-F5344CB8AC3E}">
-        <p14:creationId xmlns:p14="http://schemas.microsoft.com/office/powerpoint/2010/main" val="3468376918"/>
+        <p14:creationId xmlns:p14="http://schemas.microsoft.com/office/powerpoint/2010/main" val="2134033093"/>
       </p:ext>
     </p:extLst>
   </p:cSld>
@@ -9029,57 +8931,332 @@
       </p:grpSpPr>
       <p:sp>
         <p:nvSpPr>
-          <p:cNvPr id="5" name="Прямоугольник 4"/>
-          <p:cNvSpPr/>
+          <p:cNvPr id="7" name="Номер слайда 36"/>
+          <p:cNvSpPr txBox="1">
+            <a:spLocks/>
+          </p:cNvSpPr>
           <p:nvPr/>
         </p:nvSpPr>
         <p:spPr>
           <a:xfrm>
-            <a:off x="0" y="0"/>
-            <a:ext cx="12192000" cy="6858000"/>
-          </a:xfrm>
-          <a:prstGeom prst="rect">
+            <a:off x="11208568" y="6165304"/>
+            <a:ext cx="648072" cy="432048"/>
+          </a:xfrm>
+          <a:prstGeom prst="roundRect">
             <a:avLst/>
           </a:prstGeom>
-          <a:solidFill>
-            <a:schemeClr val="tx2">
-              <a:lumMod val="75000"/>
-            </a:schemeClr>
-          </a:solidFill>
+          <a:ln w="25400" cap="flat" cmpd="sng" algn="ctr">
+            <a:solidFill>
+              <a:schemeClr val="tx2">
+                <a:lumMod val="60000"/>
+                <a:lumOff val="40000"/>
+              </a:schemeClr>
+            </a:solidFill>
+            <a:prstDash val="solid"/>
+          </a:ln>
         </p:spPr>
         <p:style>
           <a:lnRef idx="2">
-            <a:schemeClr val="accent1">
-              <a:shade val="50000"/>
-            </a:schemeClr>
+            <a:schemeClr val="accent1"/>
           </a:lnRef>
           <a:fillRef idx="1">
-            <a:schemeClr val="accent1"/>
+            <a:schemeClr val="lt1"/>
           </a:fillRef>
           <a:effectRef idx="0">
             <a:schemeClr val="accent1"/>
           </a:effectRef>
           <a:fontRef idx="minor">
-            <a:schemeClr val="lt1"/>
+            <a:schemeClr val="dk1"/>
           </a:fontRef>
         </p:style>
         <p:txBody>
-          <a:bodyPr rtlCol="0" anchor="ctr"/>
-          <a:lstStyle/>
-          <a:p>
-            <a:pPr algn="ctr"/>
-            <a:r>
-              <a:rPr lang="ru-RU" sz="6600" b="1" dirty="0"/>
-              <a:t>Домашнее задание</a:t>
-            </a:r>
-            <a:endParaRPr lang="uk-UA" sz="6600" b="1" dirty="0"/>
+          <a:bodyPr vert="horz" lIns="91440" tIns="45720" rIns="91440" bIns="45720" rtlCol="0" anchor="ctr"/>
+          <a:lstStyle/>
+          <a:p>
+            <a:pPr algn="ctr">
+              <a:defRPr/>
+            </a:pPr>
+            <a:fld id="{6389AA22-90B4-448C-8B6B-C699140D38B9}" type="slidenum">
+              <a:rPr lang="uk-UA" sz="2400" b="1">
+                <a:solidFill>
+                  <a:schemeClr val="bg1">
+                    <a:lumMod val="50000"/>
+                  </a:schemeClr>
+                </a:solidFill>
+              </a:rPr>
+              <a:pPr algn="ctr">
+                <a:defRPr/>
+              </a:pPr>
+              <a:t>26</a:t>
+            </a:fld>
+            <a:endParaRPr lang="uk-UA" sz="2400" b="1" dirty="0">
+              <a:solidFill>
+                <a:schemeClr val="bg1">
+                  <a:lumMod val="50000"/>
+                </a:schemeClr>
+              </a:solidFill>
+            </a:endParaRPr>
+          </a:p>
+        </p:txBody>
+      </p:sp>
+      <p:sp>
+        <p:nvSpPr>
+          <p:cNvPr id="10" name="Скругленный прямоугольник 9"/>
+          <p:cNvSpPr/>
+          <p:nvPr/>
+        </p:nvSpPr>
+        <p:spPr>
+          <a:xfrm>
+            <a:off x="-20717" y="5572171"/>
+            <a:ext cx="12192000" cy="578882"/>
+          </a:xfrm>
+          <a:prstGeom prst="roundRect">
+            <a:avLst/>
+          </a:prstGeom>
+          <a:noFill/>
+          <a:ln>
+            <a:noFill/>
+          </a:ln>
+        </p:spPr>
+        <p:style>
+          <a:lnRef idx="2">
+            <a:schemeClr val="accent3"/>
+          </a:lnRef>
+          <a:fillRef idx="1">
+            <a:schemeClr val="lt1"/>
+          </a:fillRef>
+          <a:effectRef idx="0">
+            <a:schemeClr val="accent3"/>
+          </a:effectRef>
+          <a:fontRef idx="minor">
+            <a:schemeClr val="dk1"/>
+          </a:fontRef>
+        </p:style>
+        <p:txBody>
+          <a:bodyPr wrap="square">
+            <a:spAutoFit/>
+          </a:bodyPr>
+          <a:lstStyle/>
+          <a:p>
+            <a:pPr algn="ctr" fontAlgn="base"/>
+            <a:r>
+              <a:rPr lang="ru-RU" sz="2800" b="1" dirty="0"/>
+              <a:t>Обратите на них внимание в справочнике</a:t>
+            </a:r>
+            <a:endParaRPr lang="en-US" sz="2800" b="1" dirty="0">
+              <a:solidFill>
+                <a:schemeClr val="tx1"/>
+              </a:solidFill>
+            </a:endParaRPr>
+          </a:p>
+        </p:txBody>
+      </p:sp>
+      <p:sp>
+        <p:nvSpPr>
+          <p:cNvPr id="13" name="Заголовок 1"/>
+          <p:cNvSpPr txBox="1">
+            <a:spLocks/>
+          </p:cNvSpPr>
+          <p:nvPr/>
+        </p:nvSpPr>
+        <p:spPr>
+          <a:xfrm>
+            <a:off x="-20717" y="706949"/>
+            <a:ext cx="12192000" cy="1143000"/>
+          </a:xfrm>
+          <a:prstGeom prst="rect">
+            <a:avLst/>
+          </a:prstGeom>
+        </p:spPr>
+        <p:txBody>
+          <a:bodyPr vert="horz" lIns="91440" tIns="45720" rIns="91440" bIns="45720" rtlCol="0" anchor="ctr">
+            <a:normAutofit/>
+          </a:bodyPr>
+          <a:lstStyle/>
+          <a:p>
+            <a:pPr algn="ctr">
+              <a:spcBef>
+                <a:spcPct val="0"/>
+              </a:spcBef>
+              <a:defRPr/>
+            </a:pPr>
+            <a:r>
+              <a:rPr lang="ru-RU" sz="4000" b="1" dirty="0">
+                <a:latin typeface="+mj-lt"/>
+                <a:ea typeface="+mj-ea"/>
+                <a:cs typeface="+mj-cs"/>
+              </a:rPr>
+              <a:t>Ряд тегов которые пригодятся</a:t>
+            </a:r>
+            <a:endParaRPr lang="uk-UA" sz="4000" b="1" dirty="0">
+              <a:latin typeface="+mj-lt"/>
+              <a:ea typeface="+mj-ea"/>
+              <a:cs typeface="+mj-cs"/>
+            </a:endParaRPr>
+          </a:p>
+        </p:txBody>
+      </p:sp>
+      <p:sp>
+        <p:nvSpPr>
+          <p:cNvPr id="3" name="Прямоугольник 2"/>
+          <p:cNvSpPr/>
+          <p:nvPr/>
+        </p:nvSpPr>
+        <p:spPr>
+          <a:xfrm>
+            <a:off x="-20717" y="2556898"/>
+            <a:ext cx="12192000" cy="2308324"/>
+          </a:xfrm>
+          <a:prstGeom prst="rect">
+            <a:avLst/>
+          </a:prstGeom>
+        </p:spPr>
+        <p:txBody>
+          <a:bodyPr wrap="square">
+            <a:spAutoFit/>
+          </a:bodyPr>
+          <a:lstStyle/>
+          <a:p>
+            <a:pPr algn="ctr" fontAlgn="base"/>
+            <a:r>
+              <a:rPr lang="en-US" sz="3600" b="1" dirty="0">
+                <a:solidFill>
+                  <a:srgbClr val="0070C0"/>
+                </a:solidFill>
+                <a:latin typeface="Courier New" panose="02070309020205020404" pitchFamily="49" charset="0"/>
+                <a:cs typeface="Courier New" panose="02070309020205020404" pitchFamily="49" charset="0"/>
+              </a:rPr>
+              <a:t>&lt;div&gt;, &lt;span&gt;, &lt;p&gt;, &lt;h1&gt;-&lt;h6&gt;, &lt;</a:t>
+            </a:r>
+            <a:r>
+              <a:rPr lang="en-US" sz="3600" b="1" dirty="0" err="1">
+                <a:solidFill>
+                  <a:srgbClr val="0070C0"/>
+                </a:solidFill>
+                <a:latin typeface="Courier New" panose="02070309020205020404" pitchFamily="49" charset="0"/>
+                <a:cs typeface="Courier New" panose="02070309020205020404" pitchFamily="49" charset="0"/>
+              </a:rPr>
+              <a:t>hr</a:t>
+            </a:r>
+            <a:r>
+              <a:rPr lang="en-US" sz="3600" b="1" dirty="0">
+                <a:solidFill>
+                  <a:srgbClr val="0070C0"/>
+                </a:solidFill>
+                <a:latin typeface="Courier New" panose="02070309020205020404" pitchFamily="49" charset="0"/>
+                <a:cs typeface="Courier New" panose="02070309020205020404" pitchFamily="49" charset="0"/>
+              </a:rPr>
+              <a:t>&gt;,</a:t>
+            </a:r>
+            <a:r>
+              <a:rPr lang="ru-RU" sz="3600" b="1" dirty="0">
+                <a:solidFill>
+                  <a:srgbClr val="0070C0"/>
+                </a:solidFill>
+                <a:latin typeface="Courier New" panose="02070309020205020404" pitchFamily="49" charset="0"/>
+                <a:cs typeface="Courier New" panose="02070309020205020404" pitchFamily="49" charset="0"/>
+              </a:rPr>
+              <a:t> </a:t>
+            </a:r>
+            <a:r>
+              <a:rPr lang="en-US" sz="3600" b="1" dirty="0">
+                <a:solidFill>
+                  <a:srgbClr val="0070C0"/>
+                </a:solidFill>
+                <a:latin typeface="Courier New" panose="02070309020205020404" pitchFamily="49" charset="0"/>
+                <a:cs typeface="Courier New" panose="02070309020205020404" pitchFamily="49" charset="0"/>
+              </a:rPr>
+              <a:t>&lt;ul&gt;, &lt;</a:t>
+            </a:r>
+            <a:r>
+              <a:rPr lang="en-US" sz="3600" b="1" dirty="0" err="1">
+                <a:solidFill>
+                  <a:srgbClr val="0070C0"/>
+                </a:solidFill>
+                <a:latin typeface="Courier New" panose="02070309020205020404" pitchFamily="49" charset="0"/>
+                <a:cs typeface="Courier New" panose="02070309020205020404" pitchFamily="49" charset="0"/>
+              </a:rPr>
+              <a:t>ol</a:t>
+            </a:r>
+            <a:r>
+              <a:rPr lang="en-US" sz="3600" b="1" dirty="0">
+                <a:solidFill>
+                  <a:srgbClr val="0070C0"/>
+                </a:solidFill>
+                <a:latin typeface="Courier New" panose="02070309020205020404" pitchFamily="49" charset="0"/>
+                <a:cs typeface="Courier New" panose="02070309020205020404" pitchFamily="49" charset="0"/>
+              </a:rPr>
+              <a:t>&gt;</a:t>
+            </a:r>
+            <a:r>
+              <a:rPr lang="ru-RU" sz="3600" b="1" dirty="0">
+                <a:solidFill>
+                  <a:srgbClr val="0070C0"/>
+                </a:solidFill>
+                <a:latin typeface="Courier New" panose="02070309020205020404" pitchFamily="49" charset="0"/>
+                <a:cs typeface="Courier New" panose="02070309020205020404" pitchFamily="49" charset="0"/>
+              </a:rPr>
+              <a:t>, </a:t>
+            </a:r>
+            <a:r>
+              <a:rPr lang="en-US" sz="3600" b="1" dirty="0">
+                <a:solidFill>
+                  <a:srgbClr val="0070C0"/>
+                </a:solidFill>
+                <a:latin typeface="Courier New" panose="02070309020205020404" pitchFamily="49" charset="0"/>
+                <a:cs typeface="Courier New" panose="02070309020205020404" pitchFamily="49" charset="0"/>
+              </a:rPr>
+              <a:t>&lt;li&gt;, &lt;table&gt;, &lt;tr&gt;, &lt;</a:t>
+            </a:r>
+            <a:r>
+              <a:rPr lang="en-US" sz="3600" b="1" dirty="0" err="1">
+                <a:solidFill>
+                  <a:srgbClr val="0070C0"/>
+                </a:solidFill>
+                <a:latin typeface="Courier New" panose="02070309020205020404" pitchFamily="49" charset="0"/>
+                <a:cs typeface="Courier New" panose="02070309020205020404" pitchFamily="49" charset="0"/>
+              </a:rPr>
+              <a:t>th</a:t>
+            </a:r>
+            <a:r>
+              <a:rPr lang="en-US" sz="3600" b="1" dirty="0">
+                <a:solidFill>
+                  <a:srgbClr val="0070C0"/>
+                </a:solidFill>
+                <a:latin typeface="Courier New" panose="02070309020205020404" pitchFamily="49" charset="0"/>
+                <a:cs typeface="Courier New" panose="02070309020205020404" pitchFamily="49" charset="0"/>
+              </a:rPr>
+              <a:t>&gt;, &lt;td&gt;</a:t>
+            </a:r>
+            <a:endParaRPr lang="ru-RU" sz="3600" b="1" dirty="0">
+              <a:solidFill>
+                <a:srgbClr val="0070C0"/>
+              </a:solidFill>
+              <a:latin typeface="Courier New" panose="02070309020205020404" pitchFamily="49" charset="0"/>
+              <a:cs typeface="Courier New" panose="02070309020205020404" pitchFamily="49" charset="0"/>
+            </a:endParaRPr>
+          </a:p>
+          <a:p>
+            <a:pPr algn="ctr" fontAlgn="base"/>
+            <a:r>
+              <a:rPr lang="en-US" sz="3600" b="1" dirty="0">
+                <a:solidFill>
+                  <a:schemeClr val="accent3">
+                    <a:lumMod val="75000"/>
+                  </a:schemeClr>
+                </a:solidFill>
+                <a:latin typeface="Courier New" panose="02070309020205020404" pitchFamily="49" charset="0"/>
+                <a:cs typeface="Courier New" panose="02070309020205020404" pitchFamily="49" charset="0"/>
+              </a:rPr>
+              <a:t>&lt;header&gt;, &lt;footer&gt;, &lt;main&gt;, &lt;section&gt;, &lt;article&gt;, &lt;audio&gt;, &lt;video&gt;</a:t>
+            </a:r>
           </a:p>
         </p:txBody>
       </p:sp>
     </p:spTree>
     <p:extLst>
       <p:ext uri="{BB962C8B-B14F-4D97-AF65-F5344CB8AC3E}">
-        <p14:creationId xmlns:p14="http://schemas.microsoft.com/office/powerpoint/2010/main" val="3025190695"/>
+        <p14:creationId xmlns:p14="http://schemas.microsoft.com/office/powerpoint/2010/main" val="3468376918"/>
       </p:ext>
     </p:extLst>
   </p:cSld>
@@ -9108,6 +9285,85 @@
       </p:grpSpPr>
       <p:sp>
         <p:nvSpPr>
+          <p:cNvPr id="5" name="Прямоугольник 4"/>
+          <p:cNvSpPr/>
+          <p:nvPr/>
+        </p:nvSpPr>
+        <p:spPr>
+          <a:xfrm>
+            <a:off x="0" y="0"/>
+            <a:ext cx="12192000" cy="6858000"/>
+          </a:xfrm>
+          <a:prstGeom prst="rect">
+            <a:avLst/>
+          </a:prstGeom>
+          <a:solidFill>
+            <a:schemeClr val="tx2">
+              <a:lumMod val="75000"/>
+            </a:schemeClr>
+          </a:solidFill>
+        </p:spPr>
+        <p:style>
+          <a:lnRef idx="2">
+            <a:schemeClr val="accent1">
+              <a:shade val="50000"/>
+            </a:schemeClr>
+          </a:lnRef>
+          <a:fillRef idx="1">
+            <a:schemeClr val="accent1"/>
+          </a:fillRef>
+          <a:effectRef idx="0">
+            <a:schemeClr val="accent1"/>
+          </a:effectRef>
+          <a:fontRef idx="minor">
+            <a:schemeClr val="lt1"/>
+          </a:fontRef>
+        </p:style>
+        <p:txBody>
+          <a:bodyPr rtlCol="0" anchor="ctr"/>
+          <a:lstStyle/>
+          <a:p>
+            <a:pPr algn="ctr"/>
+            <a:r>
+              <a:rPr lang="ru-RU" sz="6600" b="1" dirty="0"/>
+              <a:t>Домашнее задание</a:t>
+            </a:r>
+            <a:endParaRPr lang="uk-UA" sz="6600" b="1" dirty="0"/>
+          </a:p>
+        </p:txBody>
+      </p:sp>
+    </p:spTree>
+    <p:extLst>
+      <p:ext uri="{BB962C8B-B14F-4D97-AF65-F5344CB8AC3E}">
+        <p14:creationId xmlns:p14="http://schemas.microsoft.com/office/powerpoint/2010/main" val="3025190695"/>
+      </p:ext>
+    </p:extLst>
+  </p:cSld>
+  <p:clrMapOvr>
+    <a:masterClrMapping/>
+  </p:clrMapOvr>
+</p:sld>
+</file>
+
+<file path=ppt/slides/slide28.xml><?xml version="1.0" encoding="utf-8"?>
+<p:sld xmlns:a="http://schemas.openxmlformats.org/drawingml/2006/main" xmlns:r="http://schemas.openxmlformats.org/officeDocument/2006/relationships" xmlns:p="http://schemas.openxmlformats.org/presentationml/2006/main">
+  <p:cSld>
+    <p:spTree>
+      <p:nvGrpSpPr>
+        <p:cNvPr id="1" name=""/>
+        <p:cNvGrpSpPr/>
+        <p:nvPr/>
+      </p:nvGrpSpPr>
+      <p:grpSpPr>
+        <a:xfrm>
+          <a:off x="0" y="0"/>
+          <a:ext cx="0" cy="0"/>
+          <a:chOff x="0" y="0"/>
+          <a:chExt cx="0" cy="0"/>
+        </a:xfrm>
+      </p:grpSpPr>
+      <p:sp>
+        <p:nvSpPr>
           <p:cNvPr id="7" name="Номер слайда 36"/>
           <p:cNvSpPr txBox="1">
             <a:spLocks/>
@@ -9164,7 +9420,7 @@
               <a:pPr algn="ctr">
                 <a:defRPr/>
               </a:pPr>
-              <a:t>27</a:t>
+              <a:t>28</a:t>
             </a:fld>
             <a:endParaRPr lang="uk-UA" sz="2400" b="1" dirty="0">
               <a:solidFill>
@@ -9450,85 +9706,6 @@
 </p:sld>
 </file>
 
-<file path=ppt/slides/slide28.xml><?xml version="1.0" encoding="utf-8"?>
-<p:sld xmlns:a="http://schemas.openxmlformats.org/drawingml/2006/main" xmlns:r="http://schemas.openxmlformats.org/officeDocument/2006/relationships" xmlns:p="http://schemas.openxmlformats.org/presentationml/2006/main">
-  <p:cSld>
-    <p:spTree>
-      <p:nvGrpSpPr>
-        <p:cNvPr id="1" name=""/>
-        <p:cNvGrpSpPr/>
-        <p:nvPr/>
-      </p:nvGrpSpPr>
-      <p:grpSpPr>
-        <a:xfrm>
-          <a:off x="0" y="0"/>
-          <a:ext cx="0" cy="0"/>
-          <a:chOff x="0" y="0"/>
-          <a:chExt cx="0" cy="0"/>
-        </a:xfrm>
-      </p:grpSpPr>
-      <p:sp>
-        <p:nvSpPr>
-          <p:cNvPr id="5" name="Прямоугольник 4"/>
-          <p:cNvSpPr/>
-          <p:nvPr/>
-        </p:nvSpPr>
-        <p:spPr>
-          <a:xfrm>
-            <a:off x="0" y="0"/>
-            <a:ext cx="12192000" cy="6858000"/>
-          </a:xfrm>
-          <a:prstGeom prst="rect">
-            <a:avLst/>
-          </a:prstGeom>
-          <a:solidFill>
-            <a:schemeClr val="tx2">
-              <a:lumMod val="75000"/>
-            </a:schemeClr>
-          </a:solidFill>
-        </p:spPr>
-        <p:style>
-          <a:lnRef idx="2">
-            <a:schemeClr val="accent1">
-              <a:shade val="50000"/>
-            </a:schemeClr>
-          </a:lnRef>
-          <a:fillRef idx="1">
-            <a:schemeClr val="accent1"/>
-          </a:fillRef>
-          <a:effectRef idx="0">
-            <a:schemeClr val="accent1"/>
-          </a:effectRef>
-          <a:fontRef idx="minor">
-            <a:schemeClr val="lt1"/>
-          </a:fontRef>
-        </p:style>
-        <p:txBody>
-          <a:bodyPr rtlCol="0" anchor="ctr"/>
-          <a:lstStyle/>
-          <a:p>
-            <a:pPr algn="ctr"/>
-            <a:r>
-              <a:rPr lang="ru-RU" sz="6600" b="1" dirty="0"/>
-              <a:t>На следующем занятии</a:t>
-            </a:r>
-            <a:endParaRPr lang="uk-UA" sz="6600" b="1" dirty="0"/>
-          </a:p>
-        </p:txBody>
-      </p:sp>
-    </p:spTree>
-    <p:extLst>
-      <p:ext uri="{BB962C8B-B14F-4D97-AF65-F5344CB8AC3E}">
-        <p14:creationId xmlns:p14="http://schemas.microsoft.com/office/powerpoint/2010/main" val="2717058134"/>
-      </p:ext>
-    </p:extLst>
-  </p:cSld>
-  <p:clrMapOvr>
-    <a:masterClrMapping/>
-  </p:clrMapOvr>
-</p:sld>
-</file>
-
 <file path=ppt/slides/slide29.xml><?xml version="1.0" encoding="utf-8"?>
 <p:sld xmlns:a="http://schemas.openxmlformats.org/drawingml/2006/main" xmlns:r="http://schemas.openxmlformats.org/officeDocument/2006/relationships" xmlns:p="http://schemas.openxmlformats.org/presentationml/2006/main">
   <p:cSld>
@@ -9548,138 +9725,57 @@
       </p:grpSpPr>
       <p:sp>
         <p:nvSpPr>
-          <p:cNvPr id="3" name="Прямоугольник 2"/>
+          <p:cNvPr id="5" name="Прямоугольник 4"/>
           <p:cNvSpPr/>
           <p:nvPr/>
         </p:nvSpPr>
         <p:spPr>
           <a:xfrm>
-            <a:off x="2783631" y="5592142"/>
-            <a:ext cx="6624736" cy="1077218"/>
+            <a:off x="0" y="0"/>
+            <a:ext cx="12192000" cy="6858000"/>
           </a:xfrm>
           <a:prstGeom prst="rect">
             <a:avLst/>
           </a:prstGeom>
-        </p:spPr>
-        <p:txBody>
-          <a:bodyPr wrap="square">
-            <a:spAutoFit/>
-          </a:bodyPr>
+          <a:solidFill>
+            <a:schemeClr val="tx2">
+              <a:lumMod val="75000"/>
+            </a:schemeClr>
+          </a:solidFill>
+        </p:spPr>
+        <p:style>
+          <a:lnRef idx="2">
+            <a:schemeClr val="accent1">
+              <a:shade val="50000"/>
+            </a:schemeClr>
+          </a:lnRef>
+          <a:fillRef idx="1">
+            <a:schemeClr val="accent1"/>
+          </a:fillRef>
+          <a:effectRef idx="0">
+            <a:schemeClr val="accent1"/>
+          </a:effectRef>
+          <a:fontRef idx="minor">
+            <a:schemeClr val="lt1"/>
+          </a:fontRef>
+        </p:style>
+        <p:txBody>
+          <a:bodyPr rtlCol="0" anchor="ctr"/>
           <a:lstStyle/>
           <a:p>
             <a:pPr algn="ctr"/>
             <a:r>
-              <a:rPr lang="ru-RU" sz="3200" b="1" dirty="0"/>
-              <a:t>Язык </a:t>
-            </a:r>
-            <a:r>
-              <a:rPr lang="en-US" sz="3200" b="1" dirty="0">
-                <a:solidFill>
-                  <a:srgbClr val="0070C0"/>
-                </a:solidFill>
-              </a:rPr>
-              <a:t>CSS</a:t>
-            </a:r>
-            <a:r>
-              <a:rPr lang="ru-RU" sz="3200" b="1" dirty="0"/>
-              <a:t> и </a:t>
-            </a:r>
-            <a:r>
-              <a:rPr lang="ru-RU" sz="3200" b="1" dirty="0">
-                <a:solidFill>
-                  <a:srgbClr val="00B050"/>
-                </a:solidFill>
-              </a:rPr>
-              <a:t>задание оформления </a:t>
-            </a:r>
-            <a:r>
-              <a:rPr lang="ru-RU" sz="3200" b="1" dirty="0"/>
-              <a:t>элементов страницы</a:t>
-            </a:r>
-          </a:p>
-        </p:txBody>
-      </p:sp>
-      <p:sp>
-        <p:nvSpPr>
-          <p:cNvPr id="10" name="TextBox 9">
-            <a:extLst>
-              <a:ext uri="{FF2B5EF4-FFF2-40B4-BE49-F238E27FC236}">
-                <a16:creationId xmlns:a16="http://schemas.microsoft.com/office/drawing/2014/main" id="{8FA622E4-C4C0-42CF-94B7-9DCBAB5E658A}"/>
-              </a:ext>
-            </a:extLst>
-          </p:cNvPr>
-          <p:cNvSpPr txBox="1"/>
-          <p:nvPr/>
-        </p:nvSpPr>
-        <p:spPr>
-          <a:xfrm>
-            <a:off x="0" y="116632"/>
-            <a:ext cx="12192000" cy="677108"/>
-          </a:xfrm>
-          <a:prstGeom prst="rect">
-            <a:avLst/>
-          </a:prstGeom>
-          <a:noFill/>
-        </p:spPr>
-        <p:txBody>
-          <a:bodyPr wrap="square">
-            <a:spAutoFit/>
-          </a:bodyPr>
-          <a:lstStyle/>
-          <a:p>
-            <a:pPr algn="ctr"/>
-            <a:r>
-              <a:rPr lang="ru-RU" sz="3800" b="1" dirty="0"/>
+              <a:rPr lang="ru-RU" sz="6600" b="1" dirty="0"/>
               <a:t>На следующем занятии</a:t>
             </a:r>
-            <a:endParaRPr lang="uk-UA" sz="3800" b="1" dirty="0"/>
-          </a:p>
-        </p:txBody>
-      </p:sp>
-      <p:pic>
-        <p:nvPicPr>
-          <p:cNvPr id="6" name="Рисунок 5">
-            <a:extLst>
-              <a:ext uri="{FF2B5EF4-FFF2-40B4-BE49-F238E27FC236}">
-                <a16:creationId xmlns:a16="http://schemas.microsoft.com/office/drawing/2014/main" id="{A10E65BD-4C06-4E19-93F2-789B054E008E}"/>
-              </a:ext>
-            </a:extLst>
-          </p:cNvPr>
-          <p:cNvPicPr>
-            <a:picLocks noChangeAspect="1"/>
-          </p:cNvPicPr>
-          <p:nvPr/>
-        </p:nvPicPr>
-        <p:blipFill>
-          <a:blip r:embed="rId2"/>
-          <a:stretch>
-            <a:fillRect/>
-          </a:stretch>
-        </p:blipFill>
-        <p:spPr>
-          <a:xfrm>
-            <a:off x="0" y="908720"/>
-            <a:ext cx="12192000" cy="4572000"/>
-          </a:xfrm>
-          <a:prstGeom prst="rect">
-            <a:avLst/>
-          </a:prstGeom>
-          <a:ln>
-            <a:noFill/>
-          </a:ln>
-          <a:effectLst>
-            <a:outerShdw blurRad="292100" dist="139700" dir="2700000" algn="tl" rotWithShape="0">
-              <a:srgbClr val="333333">
-                <a:alpha val="65000"/>
-              </a:srgbClr>
-            </a:outerShdw>
-          </a:effectLst>
-        </p:spPr>
-      </p:pic>
+            <a:endParaRPr lang="uk-UA" sz="6600" b="1" dirty="0"/>
+          </a:p>
+        </p:txBody>
+      </p:sp>
     </p:spTree>
     <p:extLst>
       <p:ext uri="{BB962C8B-B14F-4D97-AF65-F5344CB8AC3E}">
-        <p14:creationId xmlns:p14="http://schemas.microsoft.com/office/powerpoint/2010/main" val="3063730818"/>
+        <p14:creationId xmlns:p14="http://schemas.microsoft.com/office/powerpoint/2010/main" val="2717058134"/>
       </p:ext>
     </p:extLst>
   </p:cSld>
@@ -10154,6 +10250,166 @@
     <p:extLst>
       <p:ext uri="{BB962C8B-B14F-4D97-AF65-F5344CB8AC3E}">
         <p14:creationId xmlns:p14="http://schemas.microsoft.com/office/powerpoint/2010/main" val="967116229"/>
+      </p:ext>
+    </p:extLst>
+  </p:cSld>
+  <p:clrMapOvr>
+    <a:masterClrMapping/>
+  </p:clrMapOvr>
+</p:sld>
+</file>
+
+<file path=ppt/slides/slide30.xml><?xml version="1.0" encoding="utf-8"?>
+<p:sld xmlns:a="http://schemas.openxmlformats.org/drawingml/2006/main" xmlns:r="http://schemas.openxmlformats.org/officeDocument/2006/relationships" xmlns:p="http://schemas.openxmlformats.org/presentationml/2006/main">
+  <p:cSld>
+    <p:spTree>
+      <p:nvGrpSpPr>
+        <p:cNvPr id="1" name=""/>
+        <p:cNvGrpSpPr/>
+        <p:nvPr/>
+      </p:nvGrpSpPr>
+      <p:grpSpPr>
+        <a:xfrm>
+          <a:off x="0" y="0"/>
+          <a:ext cx="0" cy="0"/>
+          <a:chOff x="0" y="0"/>
+          <a:chExt cx="0" cy="0"/>
+        </a:xfrm>
+      </p:grpSpPr>
+      <p:sp>
+        <p:nvSpPr>
+          <p:cNvPr id="3" name="Прямоугольник 2"/>
+          <p:cNvSpPr/>
+          <p:nvPr/>
+        </p:nvSpPr>
+        <p:spPr>
+          <a:xfrm>
+            <a:off x="2783631" y="5592142"/>
+            <a:ext cx="6624736" cy="1077218"/>
+          </a:xfrm>
+          <a:prstGeom prst="rect">
+            <a:avLst/>
+          </a:prstGeom>
+        </p:spPr>
+        <p:txBody>
+          <a:bodyPr wrap="square">
+            <a:spAutoFit/>
+          </a:bodyPr>
+          <a:lstStyle/>
+          <a:p>
+            <a:pPr algn="ctr"/>
+            <a:r>
+              <a:rPr lang="ru-RU" sz="3200" b="1" dirty="0"/>
+              <a:t>Язык </a:t>
+            </a:r>
+            <a:r>
+              <a:rPr lang="en-US" sz="3200" b="1" dirty="0">
+                <a:solidFill>
+                  <a:srgbClr val="0070C0"/>
+                </a:solidFill>
+              </a:rPr>
+              <a:t>CSS</a:t>
+            </a:r>
+            <a:r>
+              <a:rPr lang="ru-RU" sz="3200" b="1" dirty="0"/>
+              <a:t> и </a:t>
+            </a:r>
+            <a:r>
+              <a:rPr lang="ru-RU" sz="3200" b="1" dirty="0">
+                <a:solidFill>
+                  <a:srgbClr val="00B050"/>
+                </a:solidFill>
+              </a:rPr>
+              <a:t>задание оформления </a:t>
+            </a:r>
+            <a:r>
+              <a:rPr lang="ru-RU" sz="3200" b="1" dirty="0"/>
+              <a:t>элементов страницы</a:t>
+            </a:r>
+          </a:p>
+        </p:txBody>
+      </p:sp>
+      <p:sp>
+        <p:nvSpPr>
+          <p:cNvPr id="10" name="TextBox 9">
+            <a:extLst>
+              <a:ext uri="{FF2B5EF4-FFF2-40B4-BE49-F238E27FC236}">
+                <a16:creationId xmlns:a16="http://schemas.microsoft.com/office/drawing/2014/main" id="{8FA622E4-C4C0-42CF-94B7-9DCBAB5E658A}"/>
+              </a:ext>
+            </a:extLst>
+          </p:cNvPr>
+          <p:cNvSpPr txBox="1"/>
+          <p:nvPr/>
+        </p:nvSpPr>
+        <p:spPr>
+          <a:xfrm>
+            <a:off x="0" y="116632"/>
+            <a:ext cx="12192000" cy="677108"/>
+          </a:xfrm>
+          <a:prstGeom prst="rect">
+            <a:avLst/>
+          </a:prstGeom>
+          <a:noFill/>
+        </p:spPr>
+        <p:txBody>
+          <a:bodyPr wrap="square">
+            <a:spAutoFit/>
+          </a:bodyPr>
+          <a:lstStyle/>
+          <a:p>
+            <a:pPr algn="ctr"/>
+            <a:r>
+              <a:rPr lang="ru-RU" sz="3800" b="1" dirty="0"/>
+              <a:t>На следующем занятии</a:t>
+            </a:r>
+            <a:endParaRPr lang="uk-UA" sz="3800" b="1" dirty="0"/>
+          </a:p>
+        </p:txBody>
+      </p:sp>
+      <p:pic>
+        <p:nvPicPr>
+          <p:cNvPr id="6" name="Рисунок 5">
+            <a:extLst>
+              <a:ext uri="{FF2B5EF4-FFF2-40B4-BE49-F238E27FC236}">
+                <a16:creationId xmlns:a16="http://schemas.microsoft.com/office/drawing/2014/main" id="{A10E65BD-4C06-4E19-93F2-789B054E008E}"/>
+              </a:ext>
+            </a:extLst>
+          </p:cNvPr>
+          <p:cNvPicPr>
+            <a:picLocks noChangeAspect="1"/>
+          </p:cNvPicPr>
+          <p:nvPr/>
+        </p:nvPicPr>
+        <p:blipFill>
+          <a:blip r:embed="rId2"/>
+          <a:stretch>
+            <a:fillRect/>
+          </a:stretch>
+        </p:blipFill>
+        <p:spPr>
+          <a:xfrm>
+            <a:off x="0" y="908720"/>
+            <a:ext cx="12192000" cy="4572000"/>
+          </a:xfrm>
+          <a:prstGeom prst="rect">
+            <a:avLst/>
+          </a:prstGeom>
+          <a:ln>
+            <a:noFill/>
+          </a:ln>
+          <a:effectLst>
+            <a:outerShdw blurRad="292100" dist="139700" dir="2700000" algn="tl" rotWithShape="0">
+              <a:srgbClr val="333333">
+                <a:alpha val="65000"/>
+              </a:srgbClr>
+            </a:outerShdw>
+          </a:effectLst>
+        </p:spPr>
+      </p:pic>
+    </p:spTree>
+    <p:extLst>
+      <p:ext uri="{BB962C8B-B14F-4D97-AF65-F5344CB8AC3E}">
+        <p14:creationId xmlns:p14="http://schemas.microsoft.com/office/powerpoint/2010/main" val="3063730818"/>
       </p:ext>
     </p:extLst>
   </p:cSld>
